--- a/machine_learning.pptx
+++ b/machine_learning.pptx
@@ -234,7 +234,7 @@
           <a:p>
             <a:fld id="{C821A729-E331-9347-8BEB-3489D340F945}" type="datetimeFigureOut">
               <a:rPr lang="en-US" smtClean="0"/>
-              <a:t>5/26/20</a:t>
+              <a:t>5/26/2020</a:t>
             </a:fld>
             <a:endParaRPr lang="en-US"/>
           </a:p>
@@ -885,7 +885,7 @@
           <a:p>
             <a:fld id="{C3D18520-976F-894B-8D60-4F81AFC4FB05}" type="datetimeFigureOut">
               <a:rPr lang="en-US" smtClean="0"/>
-              <a:t>5/26/20</a:t>
+              <a:t>5/26/2020</a:t>
             </a:fld>
             <a:endParaRPr lang="en-US"/>
           </a:p>
@@ -1055,7 +1055,7 @@
           <a:p>
             <a:fld id="{C3D18520-976F-894B-8D60-4F81AFC4FB05}" type="datetimeFigureOut">
               <a:rPr lang="en-US" smtClean="0"/>
-              <a:t>5/26/20</a:t>
+              <a:t>5/26/2020</a:t>
             </a:fld>
             <a:endParaRPr lang="en-US"/>
           </a:p>
@@ -1235,7 +1235,7 @@
           <a:p>
             <a:fld id="{C3D18520-976F-894B-8D60-4F81AFC4FB05}" type="datetimeFigureOut">
               <a:rPr lang="en-US" smtClean="0"/>
-              <a:t>5/26/20</a:t>
+              <a:t>5/26/2020</a:t>
             </a:fld>
             <a:endParaRPr lang="en-US"/>
           </a:p>
@@ -1405,7 +1405,7 @@
           <a:p>
             <a:fld id="{C3D18520-976F-894B-8D60-4F81AFC4FB05}" type="datetimeFigureOut">
               <a:rPr lang="en-US" smtClean="0"/>
-              <a:t>5/26/20</a:t>
+              <a:t>5/26/2020</a:t>
             </a:fld>
             <a:endParaRPr lang="en-US"/>
           </a:p>
@@ -1651,7 +1651,7 @@
           <a:p>
             <a:fld id="{C3D18520-976F-894B-8D60-4F81AFC4FB05}" type="datetimeFigureOut">
               <a:rPr lang="en-US" smtClean="0"/>
-              <a:t>5/26/20</a:t>
+              <a:t>5/26/2020</a:t>
             </a:fld>
             <a:endParaRPr lang="en-US"/>
           </a:p>
@@ -1883,7 +1883,7 @@
           <a:p>
             <a:fld id="{C3D18520-976F-894B-8D60-4F81AFC4FB05}" type="datetimeFigureOut">
               <a:rPr lang="en-US" smtClean="0"/>
-              <a:t>5/26/20</a:t>
+              <a:t>5/26/2020</a:t>
             </a:fld>
             <a:endParaRPr lang="en-US"/>
           </a:p>
@@ -2250,7 +2250,7 @@
           <a:p>
             <a:fld id="{C3D18520-976F-894B-8D60-4F81AFC4FB05}" type="datetimeFigureOut">
               <a:rPr lang="en-US" smtClean="0"/>
-              <a:t>5/26/20</a:t>
+              <a:t>5/26/2020</a:t>
             </a:fld>
             <a:endParaRPr lang="en-US"/>
           </a:p>
@@ -2368,7 +2368,7 @@
           <a:p>
             <a:fld id="{C3D18520-976F-894B-8D60-4F81AFC4FB05}" type="datetimeFigureOut">
               <a:rPr lang="en-US" smtClean="0"/>
-              <a:t>5/26/20</a:t>
+              <a:t>5/26/2020</a:t>
             </a:fld>
             <a:endParaRPr lang="en-US"/>
           </a:p>
@@ -2463,7 +2463,7 @@
           <a:p>
             <a:fld id="{C3D18520-976F-894B-8D60-4F81AFC4FB05}" type="datetimeFigureOut">
               <a:rPr lang="en-US" smtClean="0"/>
-              <a:t>5/26/20</a:t>
+              <a:t>5/26/2020</a:t>
             </a:fld>
             <a:endParaRPr lang="en-US"/>
           </a:p>
@@ -2740,7 +2740,7 @@
           <a:p>
             <a:fld id="{C3D18520-976F-894B-8D60-4F81AFC4FB05}" type="datetimeFigureOut">
               <a:rPr lang="en-US" smtClean="0"/>
-              <a:t>5/26/20</a:t>
+              <a:t>5/26/2020</a:t>
             </a:fld>
             <a:endParaRPr lang="en-US"/>
           </a:p>
@@ -2993,7 +2993,7 @@
           <a:p>
             <a:fld id="{C3D18520-976F-894B-8D60-4F81AFC4FB05}" type="datetimeFigureOut">
               <a:rPr lang="en-US" smtClean="0"/>
-              <a:t>5/26/20</a:t>
+              <a:t>5/26/2020</a:t>
             </a:fld>
             <a:endParaRPr lang="en-US"/>
           </a:p>
@@ -3206,7 +3206,7 @@
           <a:p>
             <a:fld id="{C3D18520-976F-894B-8D60-4F81AFC4FB05}" type="datetimeFigureOut">
               <a:rPr lang="en-US" smtClean="0"/>
-              <a:t>5/26/20</a:t>
+              <a:t>5/26/2020</a:t>
             </a:fld>
             <a:endParaRPr lang="en-US"/>
           </a:p>
@@ -23946,347 +23946,272 @@
           <a:lstStyle/>
           <a:p>
             <a:r>
-              <a:rPr lang="en-US" altLang="zh-CN" sz="1800" dirty="0" smtClean="0"/>
-              <a:t>Exponentially</a:t>
-            </a:r>
-            <a:r>
-              <a:rPr lang="zh-CN" altLang="en-US" sz="1800" dirty="0" smtClean="0"/>
-              <a:t> </a:t>
-            </a:r>
-            <a:r>
-              <a:rPr lang="en-US" altLang="zh-CN" sz="1800" dirty="0" smtClean="0"/>
-              <a:t>weighted</a:t>
-            </a:r>
-            <a:r>
-              <a:rPr lang="zh-CN" altLang="en-US" sz="1800" dirty="0" smtClean="0"/>
-              <a:t> </a:t>
-            </a:r>
-            <a:r>
-              <a:rPr lang="en-US" altLang="zh-CN" sz="1800" dirty="0" smtClean="0"/>
-              <a:t>Average:</a:t>
+              <a:rPr lang="en-US" altLang="zh-CN" sz="1800" dirty="0"/>
+              <a:t>EWA: exponentially weighted average.</a:t>
             </a:r>
             <a:r>
               <a:rPr lang="zh-CN" altLang="en-US" sz="1800" dirty="0"/>
-              <a:t> </a:t>
-            </a:r>
-            <a:r>
-              <a:rPr lang="zh-CN" altLang="en-US" sz="1800" dirty="0" smtClean="0"/>
-              <a:t> 指数权重平均。</a:t>
-            </a:r>
-            <a:r>
-              <a:rPr lang="en-US" altLang="zh-CN" sz="1800" dirty="0" smtClean="0"/>
-              <a:t/>
-            </a:r>
-            <a:br>
-              <a:rPr lang="en-US" altLang="zh-CN" sz="1800" dirty="0" smtClean="0"/>
-            </a:br>
-            <a:r>
-              <a:rPr lang="en-US" altLang="zh-CN" sz="1800" dirty="0" smtClean="0"/>
-              <a:t>v_0</a:t>
-            </a:r>
-            <a:r>
-              <a:rPr lang="zh-CN" altLang="en-US" sz="1800" dirty="0" smtClean="0"/>
-              <a:t> </a:t>
-            </a:r>
-            <a:r>
-              <a:rPr lang="en-US" altLang="zh-CN" sz="1800" dirty="0" smtClean="0"/>
-              <a:t>=</a:t>
-            </a:r>
-            <a:r>
-              <a:rPr lang="zh-CN" altLang="en-US" sz="1800" dirty="0" smtClean="0"/>
-              <a:t> </a:t>
-            </a:r>
-            <a:r>
-              <a:rPr lang="en-US" altLang="zh-CN" sz="1800" dirty="0" smtClean="0"/>
-              <a:t>0</a:t>
-            </a:r>
-            <a:br>
-              <a:rPr lang="en-US" altLang="zh-CN" sz="1800" dirty="0" smtClean="0"/>
-            </a:br>
-            <a:r>
-              <a:rPr lang="en-US" altLang="zh-CN" sz="1800" dirty="0" smtClean="0"/>
-              <a:t>v_1</a:t>
-            </a:r>
-            <a:r>
-              <a:rPr lang="zh-CN" altLang="en-US" sz="1800" dirty="0" smtClean="0"/>
-              <a:t> </a:t>
-            </a:r>
-            <a:r>
-              <a:rPr lang="en-US" altLang="zh-CN" sz="1800" dirty="0" smtClean="0"/>
-              <a:t>=</a:t>
-            </a:r>
-            <a:r>
-              <a:rPr lang="zh-CN" altLang="en-US" sz="1800" dirty="0" smtClean="0"/>
-              <a:t> </a:t>
-            </a:r>
-            <a:r>
-              <a:rPr lang="en-US" altLang="zh-CN" sz="1800" dirty="0" smtClean="0"/>
+              <a:t>想要避免噪声对于趋势的判断，遂引入指数平均权重。当天的权重平均温度不仅与当天的温度有关，还与前一天的权重平均温度有关。</a:t>
+            </a:r>
+            <a:endParaRPr lang="en-US" altLang="zh-CN" sz="1800" dirty="0"/>
+          </a:p>
+          <a:p>
+            <a:r>
+              <a:rPr lang="en-US" altLang="zh-CN" sz="1800" dirty="0"/>
+              <a:t>EWA(</a:t>
+            </a:r>
+            <a:r>
+              <a:rPr lang="zh-CN" altLang="en-US" sz="1800" dirty="0"/>
+              <a:t>指数权重平均）的本质就是指数衰减与每天的气温的点积。公式如下</a:t>
+            </a:r>
+            <a:r>
+              <a:rPr lang="en-US" altLang="zh-CN" sz="1800" dirty="0"/>
+              <a:t>v_100 = 0.9* theta_100+ 0.1* 0.9* theta_99+0.1*0.9^2</a:t>
+            </a:r>
+            <a:r>
+              <a:rPr lang="zh-CN" altLang="en-US" sz="1800" dirty="0"/>
+              <a:t>* </a:t>
+            </a:r>
+            <a:r>
+              <a:rPr lang="en-US" altLang="zh-CN" sz="1800" dirty="0"/>
+              <a:t>theta_98+ …… +0.1</a:t>
+            </a:r>
+            <a:r>
+              <a:rPr lang="zh-CN" altLang="en-US" sz="1800" dirty="0"/>
+              <a:t>*</a:t>
+            </a:r>
+            <a:r>
+              <a:rPr lang="en-US" altLang="zh-CN" sz="1800" dirty="0"/>
+              <a:t>0.9^m* theta_100-m+ 0.9^100*theta_0.  </a:t>
+            </a:r>
+            <a:r>
+              <a:rPr lang="zh-CN" altLang="en-US" sz="1800" dirty="0"/>
+              <a:t>我们可以看出所以的系数都是指数衰减，意思是越靠近</a:t>
+            </a:r>
+            <a:r>
+              <a:rPr lang="en-US" altLang="zh-CN" sz="1800" dirty="0"/>
+              <a:t>100</a:t>
+            </a:r>
+            <a:r>
+              <a:rPr lang="zh-CN" altLang="en-US" sz="1800" dirty="0"/>
+              <a:t>的气温对于指数权重平均气温的影响越大。</a:t>
+            </a:r>
+            <a:endParaRPr lang="en-US" altLang="zh-CN" sz="1800" dirty="0"/>
+          </a:p>
+          <a:p>
+            <a:r>
+              <a:rPr lang="zh-CN" altLang="en-US" sz="1800" dirty="0"/>
+              <a:t>而指数衰减到</a:t>
+            </a:r>
+            <a:r>
+              <a:rPr lang="en-US" altLang="zh-CN" sz="1800" dirty="0"/>
+              <a:t>1/e </a:t>
+            </a:r>
+            <a:r>
+              <a:rPr lang="zh-CN" altLang="en-US" sz="1800" dirty="0"/>
+              <a:t>就没有了意思，而具体那一项衰减到了</a:t>
+            </a:r>
+            <a:r>
+              <a:rPr lang="en-US" altLang="zh-CN" sz="1800" dirty="0"/>
+              <a:t>1/e</a:t>
+            </a:r>
+            <a:r>
+              <a:rPr lang="zh-CN" altLang="en-US" sz="1800" dirty="0"/>
+              <a:t>，使用如下公式估算</a:t>
+            </a:r>
+            <a:r>
+              <a:rPr lang="en-US" altLang="zh-CN" sz="1800" dirty="0"/>
+              <a:t>1/(1-beta) </a:t>
+            </a:r>
+            <a:r>
+              <a:rPr lang="zh-CN" altLang="en-US" sz="1800" dirty="0"/>
+              <a:t>其中这里的</a:t>
+            </a:r>
+            <a:r>
+              <a:rPr lang="en-US" altLang="zh-CN" sz="1800" dirty="0"/>
+              <a:t>beta </a:t>
+            </a:r>
+            <a:r>
+              <a:rPr lang="zh-CN" altLang="en-US" sz="1800" dirty="0"/>
+              <a:t>这里取值为</a:t>
+            </a:r>
+            <a:r>
+              <a:rPr lang="en-US" altLang="zh-CN" sz="1800" dirty="0"/>
+              <a:t>0.9 </a:t>
+            </a:r>
+            <a:r>
+              <a:rPr lang="zh-CN" altLang="en-US" sz="1800" dirty="0"/>
+              <a:t>，表示指数平均气温与</a:t>
+            </a:r>
+            <a:r>
+              <a:rPr lang="en-US" altLang="zh-CN" sz="1800" dirty="0"/>
+              <a:t>10</a:t>
+            </a:r>
+            <a:r>
+              <a:rPr lang="zh-CN" altLang="en-US" sz="1800" dirty="0"/>
+              <a:t>天的气温值有关。</a:t>
+            </a:r>
+            <a:endParaRPr lang="en-US" altLang="zh-CN" sz="1800" dirty="0"/>
+          </a:p>
+          <a:p>
+            <a:r>
+              <a:rPr lang="en-US" altLang="zh-CN" sz="1800" dirty="0"/>
+              <a:t>momentum algorithm: </a:t>
+            </a:r>
+            <a:r>
+              <a:rPr lang="en-US" altLang="zh-CN" sz="1800" dirty="0" err="1"/>
+              <a:t>v_t</a:t>
+            </a:r>
+            <a:r>
+              <a:rPr lang="en-US" altLang="zh-CN" sz="1800" dirty="0"/>
+              <a:t>  = beta* v_(t-1) + </a:t>
+            </a:r>
+            <a:r>
+              <a:rPr lang="en-US" altLang="zh-CN" sz="1800" dirty="0" err="1"/>
+              <a:t>lr</a:t>
+            </a:r>
+            <a:r>
+              <a:rPr lang="en-US" altLang="zh-CN" sz="1800" dirty="0"/>
+              <a:t>* theta’s derivative, </a:t>
+            </a:r>
+            <a:r>
+              <a:rPr lang="en-US" altLang="zh-CN" sz="1800" dirty="0" err="1"/>
+              <a:t>theta_t</a:t>
+            </a:r>
+            <a:r>
+              <a:rPr lang="en-US" altLang="zh-CN" sz="1800" dirty="0"/>
+              <a:t> = theta_( t-1) – </a:t>
+            </a:r>
+            <a:r>
+              <a:rPr lang="en-US" altLang="zh-CN" sz="1800" dirty="0" err="1"/>
+              <a:t>v_t</a:t>
+            </a:r>
+            <a:r>
+              <a:rPr lang="en-US" altLang="zh-CN" sz="1800" dirty="0"/>
+              <a:t>  . </a:t>
+            </a:r>
+            <a:r>
+              <a:rPr lang="zh-CN" altLang="en-US" sz="1800" dirty="0"/>
+              <a:t>可以理解</a:t>
+            </a:r>
+            <a:r>
+              <a:rPr lang="en-US" altLang="zh-CN" sz="1800" dirty="0" err="1"/>
+              <a:t>v_t</a:t>
+            </a:r>
+            <a:r>
+              <a:rPr lang="en-US" altLang="zh-CN" sz="1800" dirty="0"/>
+              <a:t> </a:t>
+            </a:r>
+            <a:r>
+              <a:rPr lang="zh-CN" altLang="en-US" sz="1800" dirty="0"/>
+              <a:t>就是误差函数对于</a:t>
+            </a:r>
+            <a:r>
+              <a:rPr lang="en-US" altLang="zh-CN" sz="1800" dirty="0"/>
+              <a:t>theta</a:t>
+            </a:r>
+            <a:r>
+              <a:rPr lang="zh-CN" altLang="en-US" sz="1800" dirty="0"/>
+              <a:t>的导数的指数权重均值。当前的</a:t>
+            </a:r>
+            <a:r>
+              <a:rPr lang="en-US" altLang="zh-CN" sz="1800" dirty="0"/>
+              <a:t>theta </a:t>
+            </a:r>
+            <a:r>
+              <a:rPr lang="zh-CN" altLang="en-US" sz="1800" dirty="0"/>
+              <a:t>等于老的</a:t>
+            </a:r>
+            <a:r>
+              <a:rPr lang="en-US" altLang="zh-CN" sz="1800" dirty="0"/>
+              <a:t>theta </a:t>
+            </a:r>
+            <a:r>
+              <a:rPr lang="zh-CN" altLang="en-US" sz="1800" dirty="0"/>
+              <a:t>减去 </a:t>
+            </a:r>
+            <a:r>
+              <a:rPr lang="en-US" altLang="zh-CN" sz="1800" dirty="0"/>
+              <a:t>theta</a:t>
+            </a:r>
+            <a:r>
+              <a:rPr lang="zh-CN" altLang="en-US" sz="1800" dirty="0"/>
+              <a:t>的</a:t>
+            </a:r>
+            <a:r>
+              <a:rPr lang="en-US" altLang="zh-CN" sz="1800" dirty="0"/>
+              <a:t>EWA</a:t>
+            </a:r>
+            <a:r>
+              <a:rPr lang="zh-CN" altLang="en-US" sz="1800" dirty="0"/>
+              <a:t>。意思是</a:t>
+            </a:r>
+            <a:r>
+              <a:rPr lang="en-US" altLang="zh-CN" sz="1800" dirty="0"/>
+              <a:t>theta</a:t>
+            </a:r>
+            <a:r>
+              <a:rPr lang="zh-CN" altLang="en-US" sz="1800" dirty="0"/>
+              <a:t>的变化值等于之前的梯度（之前的</a:t>
+            </a:r>
+            <a:r>
+              <a:rPr lang="en-US" altLang="zh-CN" sz="1800" dirty="0"/>
+              <a:t>epoch </a:t>
+            </a:r>
+            <a:r>
+              <a:rPr lang="zh-CN" altLang="en-US" sz="1800" dirty="0"/>
+              <a:t>计算的梯度）与</a:t>
+            </a:r>
+            <a:r>
+              <a:rPr lang="en-US" altLang="zh-CN" sz="1800" dirty="0"/>
               <a:t>beta</a:t>
             </a:r>
             <a:r>
-              <a:rPr lang="zh-CN" altLang="en-US" sz="1800" dirty="0" smtClean="0"/>
-              <a:t> * </a:t>
-            </a:r>
-            <a:r>
-              <a:rPr lang="en-US" altLang="zh-CN" sz="1800" dirty="0" smtClean="0"/>
-              <a:t>v_0+</a:t>
-            </a:r>
-            <a:r>
-              <a:rPr lang="zh-CN" altLang="en-US" sz="1800" dirty="0" smtClean="0"/>
-              <a:t> </a:t>
-            </a:r>
-            <a:r>
-              <a:rPr lang="en-US" altLang="zh-CN" sz="1800" dirty="0" smtClean="0"/>
-              <a:t>(1-beta)</a:t>
-            </a:r>
-            <a:r>
-              <a:rPr lang="zh-CN" altLang="en-US" sz="1800" dirty="0" smtClean="0"/>
-              <a:t> * </a:t>
-            </a:r>
-            <a:r>
-              <a:rPr lang="en-US" altLang="zh-CN" sz="1800" dirty="0" smtClean="0"/>
-              <a:t>theta_0</a:t>
-            </a:r>
-            <a:r>
-              <a:rPr lang="zh-CN" altLang="en-US" sz="1800" dirty="0" smtClean="0"/>
-              <a:t> </a:t>
-            </a:r>
-            <a:r>
-              <a:rPr lang="en-US" altLang="zh-CN" sz="1800" dirty="0" smtClean="0"/>
-              <a:t>,</a:t>
-            </a:r>
-            <a:r>
-              <a:rPr lang="zh-CN" altLang="en-US" sz="1800" dirty="0" smtClean="0"/>
-              <a:t>其中</a:t>
-            </a:r>
-            <a:r>
-              <a:rPr lang="en-US" altLang="zh-CN" sz="1800" dirty="0" smtClean="0"/>
-              <a:t>beta</a:t>
-            </a:r>
-            <a:r>
-              <a:rPr lang="zh-CN" altLang="en-US" sz="1800" dirty="0" smtClean="0"/>
-              <a:t> 是参数，</a:t>
-            </a:r>
-            <a:r>
-              <a:rPr lang="zh-CN" altLang="en-US" sz="1800" dirty="0" smtClean="0"/>
-              <a:t>一般取</a:t>
-            </a:r>
-            <a:r>
-              <a:rPr lang="en-US" altLang="zh-CN" sz="1800" dirty="0" smtClean="0"/>
-              <a:t>0.9</a:t>
-            </a:r>
-            <a:r>
-              <a:rPr lang="zh-CN" altLang="en-US" sz="1800" dirty="0" smtClean="0"/>
-              <a:t>，相当于平均</a:t>
-            </a:r>
-            <a:r>
-              <a:rPr lang="en-US" altLang="zh-CN" sz="1800" dirty="0" smtClean="0"/>
-              <a:t>10</a:t>
-            </a:r>
-            <a:r>
-              <a:rPr lang="zh-CN" altLang="en-US" sz="1800" dirty="0" smtClean="0"/>
-              <a:t>天的</a:t>
-            </a:r>
-            <a:r>
-              <a:rPr lang="zh-CN" altLang="en-US" sz="1800" dirty="0" smtClean="0"/>
-              <a:t>气温</a:t>
-            </a:r>
-            <a:r>
               <a:rPr lang="zh-CN" altLang="en-US" sz="1800" dirty="0"/>
-              <a:t>。</a:t>
-            </a:r>
-            <a:r>
-              <a:rPr lang="zh-CN" altLang="en-US" sz="1800" dirty="0" smtClean="0"/>
-              <a:t>经过</a:t>
-            </a:r>
-            <a:r>
-              <a:rPr lang="zh-CN" altLang="en-US" sz="1800" dirty="0" smtClean="0"/>
-              <a:t>某种</a:t>
-            </a:r>
-            <a:r>
-              <a:rPr lang="zh-CN" altLang="en-US" sz="1800" dirty="0" smtClean="0"/>
-              <a:t>转化</a:t>
-            </a:r>
-            <a:r>
-              <a:rPr lang="zh-CN" altLang="en-US" sz="1800" dirty="0" smtClean="0"/>
-              <a:t>求得平均天数：</a:t>
-            </a:r>
-            <a:r>
-              <a:rPr lang="en-US" altLang="zh-CN" sz="1800" dirty="0" smtClean="0"/>
-              <a:t>1/1-beta</a:t>
-            </a:r>
-            <a:endParaRPr lang="en-US" altLang="zh-CN" sz="1800" dirty="0" smtClean="0"/>
-          </a:p>
-          <a:p>
-            <a:r>
-              <a:rPr lang="en-US" altLang="zh-CN" sz="1800" dirty="0" smtClean="0"/>
-              <a:t>Bias</a:t>
-            </a:r>
-            <a:r>
-              <a:rPr lang="zh-CN" altLang="en-US" sz="1800" dirty="0" smtClean="0"/>
-              <a:t> </a:t>
-            </a:r>
-            <a:r>
-              <a:rPr lang="en-US" altLang="zh-CN" sz="1800" dirty="0" smtClean="0"/>
-              <a:t>correction(</a:t>
-            </a:r>
-            <a:r>
-              <a:rPr lang="zh-CN" altLang="en-US" sz="1800" dirty="0" smtClean="0"/>
-              <a:t>偏差纠正</a:t>
-            </a:r>
-            <a:r>
-              <a:rPr lang="zh-CN" altLang="en-US" sz="1800" dirty="0" smtClean="0"/>
-              <a:t>）</a:t>
-            </a:r>
-            <a:r>
-              <a:rPr lang="en-US" altLang="zh-CN" sz="1800" dirty="0" smtClean="0"/>
-              <a:t>:</a:t>
-            </a:r>
-            <a:r>
-              <a:rPr lang="zh-CN" altLang="en-US" sz="1800" dirty="0" smtClean="0"/>
-              <a:t> 由于一开始的</a:t>
-            </a:r>
-            <a:r>
-              <a:rPr lang="en-US" altLang="zh-CN" sz="1800" dirty="0" smtClean="0"/>
-              <a:t>v_0</a:t>
-            </a:r>
-            <a:r>
-              <a:rPr lang="en-US" altLang="zh-CN" sz="1800" dirty="0" smtClean="0"/>
-              <a:t>=0</a:t>
-            </a:r>
-            <a:r>
-              <a:rPr lang="zh-CN" altLang="en-US" sz="1800" dirty="0" smtClean="0"/>
-              <a:t>小于真实的</a:t>
-            </a:r>
-            <a:r>
-              <a:rPr lang="en-US" altLang="zh-CN" sz="1800" dirty="0" smtClean="0"/>
-              <a:t>theta_0</a:t>
-            </a:r>
-            <a:r>
-              <a:rPr lang="zh-CN" altLang="en-US" sz="1800" dirty="0" smtClean="0"/>
-              <a:t>以及由于</a:t>
-            </a:r>
-            <a:r>
-              <a:rPr lang="en-US" altLang="zh-CN" sz="1800" dirty="0" smtClean="0"/>
-              <a:t>v_0</a:t>
-            </a:r>
-            <a:r>
-              <a:rPr lang="zh-CN" altLang="en-US" sz="1800" dirty="0" smtClean="0"/>
-              <a:t>对于</a:t>
-            </a:r>
-            <a:r>
-              <a:rPr lang="en-US" altLang="zh-CN" sz="1800" dirty="0" smtClean="0"/>
-              <a:t>v_1</a:t>
-            </a:r>
-            <a:r>
-              <a:rPr lang="zh-CN" altLang="en-US" sz="1800" dirty="0" smtClean="0"/>
-              <a:t>，</a:t>
-            </a:r>
-            <a:r>
-              <a:rPr lang="en-US" altLang="zh-CN" sz="1800" dirty="0" smtClean="0"/>
-              <a:t>v_1</a:t>
-            </a:r>
-            <a:r>
-              <a:rPr lang="zh-CN" altLang="en-US" sz="1800" dirty="0" smtClean="0"/>
-              <a:t>对于</a:t>
-            </a:r>
-            <a:r>
-              <a:rPr lang="en-US" altLang="zh-CN" sz="1800" dirty="0" smtClean="0"/>
-              <a:t>v_2</a:t>
-            </a:r>
-            <a:r>
-              <a:rPr lang="zh-CN" altLang="en-US" sz="1800" dirty="0" smtClean="0"/>
-              <a:t>等等传导影响，使得</a:t>
-            </a:r>
-            <a:r>
-              <a:rPr lang="en-US" altLang="zh-CN" sz="1800" dirty="0" smtClean="0"/>
-              <a:t>v_1</a:t>
-            </a:r>
-            <a:r>
-              <a:rPr lang="zh-CN" altLang="en-US" sz="1800" dirty="0" smtClean="0"/>
-              <a:t>的图像在前半部分低于真实的气温值。所以使用</a:t>
-            </a:r>
-            <a:r>
-              <a:rPr lang="en-US" altLang="zh-CN" sz="1800" dirty="0" err="1" smtClean="0"/>
-              <a:t>v_t</a:t>
-            </a:r>
-            <a:r>
-              <a:rPr lang="zh-CN" altLang="en-US" sz="1800" dirty="0" smtClean="0"/>
-              <a:t>  </a:t>
-            </a:r>
-            <a:r>
-              <a:rPr lang="en-US" altLang="zh-CN" sz="1800" dirty="0" smtClean="0"/>
-              <a:t>=</a:t>
-            </a:r>
-            <a:r>
-              <a:rPr lang="zh-CN" altLang="en-US" sz="1800" dirty="0" smtClean="0"/>
-              <a:t> </a:t>
-            </a:r>
-            <a:r>
-              <a:rPr lang="en-US" altLang="zh-CN" sz="1800" dirty="0" err="1" smtClean="0"/>
-              <a:t>v_t</a:t>
-            </a:r>
-            <a:r>
-              <a:rPr lang="en-US" altLang="zh-CN" sz="1800" dirty="0" smtClean="0"/>
-              <a:t>/1-beta^t.</a:t>
-            </a:r>
-            <a:endParaRPr lang="en-US" altLang="zh-CN" sz="1800" dirty="0" smtClean="0"/>
-          </a:p>
-          <a:p>
-            <a:r>
-              <a:rPr lang="en-US" altLang="zh-CN" sz="1800" dirty="0" smtClean="0"/>
-              <a:t>Momentum</a:t>
-            </a:r>
-            <a:r>
-              <a:rPr lang="zh-CN" altLang="en-US" sz="1800" dirty="0" smtClean="0"/>
-              <a:t> </a:t>
-            </a:r>
-            <a:r>
-              <a:rPr lang="en-US" altLang="zh-CN" sz="1800" dirty="0" smtClean="0"/>
-              <a:t>based</a:t>
-            </a:r>
-            <a:br>
-              <a:rPr lang="en-US" altLang="zh-CN" sz="1800" dirty="0" smtClean="0"/>
-            </a:br>
-            <a:r>
-              <a:rPr lang="en-US" altLang="zh-CN" sz="1800" dirty="0" smtClean="0"/>
-              <a:t>1.</a:t>
-            </a:r>
-            <a:r>
-              <a:rPr lang="zh-CN" altLang="en-US" sz="1800" dirty="0" smtClean="0"/>
-              <a:t> </a:t>
-            </a:r>
-            <a:endParaRPr lang="en-US" altLang="zh-CN" sz="1800" dirty="0" smtClean="0"/>
-          </a:p>
-          <a:p>
-            <a:r>
-              <a:rPr lang="en-US" altLang="zh-CN" sz="1800" dirty="0" smtClean="0"/>
-              <a:t>Adaptive</a:t>
-            </a:r>
-            <a:r>
-              <a:rPr lang="zh-CN" altLang="en-US" sz="1800" dirty="0" smtClean="0"/>
-              <a:t> </a:t>
-            </a:r>
-            <a:r>
-              <a:rPr lang="en-US" altLang="zh-CN" sz="1800" dirty="0" smtClean="0"/>
-              <a:t>learning</a:t>
-            </a:r>
-            <a:r>
-              <a:rPr lang="zh-CN" altLang="en-US" sz="1800" dirty="0" smtClean="0"/>
-              <a:t> </a:t>
-            </a:r>
-            <a:r>
-              <a:rPr lang="en-US" altLang="zh-CN" sz="1800" dirty="0" smtClean="0"/>
-              <a:t>rate</a:t>
-            </a:r>
-            <a:r>
-              <a:rPr lang="zh-CN" altLang="en-US" sz="1800" dirty="0" smtClean="0"/>
-              <a:t> </a:t>
-            </a:r>
-            <a:r>
-              <a:rPr lang="en-US" altLang="zh-CN" sz="1800" dirty="0" smtClean="0"/>
-              <a:t>method</a:t>
-            </a:r>
+              <a:t>的权重衰减的点积。而</a:t>
+            </a:r>
+            <a:r>
+              <a:rPr lang="en-US" altLang="zh-CN" sz="1800" dirty="0"/>
+              <a:t>beta </a:t>
+            </a:r>
+            <a:r>
+              <a:rPr lang="zh-CN" altLang="en-US" sz="1800" dirty="0"/>
+              <a:t>越接近于</a:t>
+            </a:r>
+            <a:r>
+              <a:rPr lang="en-US" altLang="zh-CN" sz="1800" dirty="0"/>
+              <a:t>1</a:t>
+            </a:r>
+            <a:r>
+              <a:rPr lang="zh-CN" altLang="en-US" sz="1800" dirty="0"/>
+              <a:t>， 当前的</a:t>
+            </a:r>
+            <a:r>
+              <a:rPr lang="en-US" altLang="zh-CN" sz="1800" dirty="0"/>
+              <a:t>theta </a:t>
+            </a:r>
+            <a:r>
+              <a:rPr lang="zh-CN" altLang="en-US" sz="1800" dirty="0"/>
+              <a:t>与越多的</a:t>
+            </a:r>
+            <a:r>
+              <a:rPr lang="en-US" altLang="zh-CN" sz="1800" dirty="0"/>
+              <a:t>epoch </a:t>
+            </a:r>
+            <a:r>
+              <a:rPr lang="zh-CN" altLang="en-US" sz="1800" dirty="0"/>
+              <a:t>有关。</a:t>
+            </a:r>
+            <a:endParaRPr lang="en-US" altLang="zh-CN" sz="1800" dirty="0"/>
+          </a:p>
+          <a:p>
+            <a:r>
+              <a:rPr lang="zh-CN" altLang="en-US" sz="1800" dirty="0"/>
+              <a:t>梯度作用： 如果当前的变化比较小，不至于变化特别小，因为有之前的累计；会使物体更快收敛，奔向最低点。</a:t>
+            </a:r>
+            <a:endParaRPr lang="en-US" altLang="zh-CN" sz="1800"/>
+          </a:p>
+          <a:p>
             <a:endParaRPr lang="en-US" sz="1800" dirty="0"/>
           </a:p>
         </p:txBody>

--- a/machine_learning.pptx
+++ b/machine_learning.pptx
@@ -24209,7 +24209,7 @@
               <a:rPr lang="zh-CN" altLang="en-US" sz="1800" dirty="0"/>
               <a:t>梯度作用： 如果当前的变化比较小，不至于变化特别小，因为有之前的累计；会使物体更快收敛，奔向最低点。</a:t>
             </a:r>
-            <a:endParaRPr lang="en-US" altLang="zh-CN" sz="1800"/>
+            <a:endParaRPr lang="en-US" altLang="zh-CN" sz="1800" dirty="0"/>
           </a:p>
           <a:p>
             <a:endParaRPr lang="en-US" sz="1800" dirty="0"/>
